--- a/GACppt.pptx
+++ b/GACppt.pptx
@@ -256,7 +256,7 @@
             <a:fld id="{579C509A-87EE-4097-9BE9-CAAEAB5B7FFF}" type="datetimeFigureOut">
               <a:rPr lang="en-US" smtClean="0"/>
               <a:pPr/>
-              <a:t>3/11/2014</a:t>
+              <a:t>4/19/2019</a:t>
             </a:fld>
             <a:endParaRPr lang="en-IN"/>
           </a:p>
@@ -1127,7 +1127,7 @@
             <a:fld id="{579C509A-87EE-4097-9BE9-CAAEAB5B7FFF}" type="datetimeFigureOut">
               <a:rPr lang="en-US" smtClean="0"/>
               <a:pPr/>
-              <a:t>3/11/2014</a:t>
+              <a:t>4/19/2019</a:t>
             </a:fld>
             <a:endParaRPr lang="en-IN"/>
           </a:p>
@@ -1304,7 +1304,7 @@
             <a:fld id="{579C509A-87EE-4097-9BE9-CAAEAB5B7FFF}" type="datetimeFigureOut">
               <a:rPr lang="en-US" smtClean="0"/>
               <a:pPr/>
-              <a:t>3/11/2014</a:t>
+              <a:t>4/19/2019</a:t>
             </a:fld>
             <a:endParaRPr lang="en-IN"/>
           </a:p>
@@ -1476,7 +1476,7 @@
             <a:fld id="{579C509A-87EE-4097-9BE9-CAAEAB5B7FFF}" type="datetimeFigureOut">
               <a:rPr lang="en-US" smtClean="0"/>
               <a:pPr/>
-              <a:t>3/11/2014</a:t>
+              <a:t>4/19/2019</a:t>
             </a:fld>
             <a:endParaRPr lang="en-IN"/>
           </a:p>
@@ -1688,7 +1688,7 @@
             <a:fld id="{579C509A-87EE-4097-9BE9-CAAEAB5B7FFF}" type="datetimeFigureOut">
               <a:rPr lang="en-US" smtClean="0"/>
               <a:pPr/>
-              <a:t>3/11/2014</a:t>
+              <a:t>4/19/2019</a:t>
             </a:fld>
             <a:endParaRPr lang="en-IN"/>
           </a:p>
@@ -2504,7 +2504,7 @@
             <a:fld id="{579C509A-87EE-4097-9BE9-CAAEAB5B7FFF}" type="datetimeFigureOut">
               <a:rPr lang="en-US" smtClean="0"/>
               <a:pPr/>
-              <a:t>3/11/2014</a:t>
+              <a:t>4/19/2019</a:t>
             </a:fld>
             <a:endParaRPr lang="en-IN"/>
           </a:p>
@@ -2742,7 +2742,7 @@
             <a:fld id="{579C509A-87EE-4097-9BE9-CAAEAB5B7FFF}" type="datetimeFigureOut">
               <a:rPr lang="en-US" smtClean="0"/>
               <a:pPr/>
-              <a:t>3/11/2014</a:t>
+              <a:t>4/19/2019</a:t>
             </a:fld>
             <a:endParaRPr lang="en-IN"/>
           </a:p>
@@ -3067,7 +3067,7 @@
             <a:fld id="{579C509A-87EE-4097-9BE9-CAAEAB5B7FFF}" type="datetimeFigureOut">
               <a:rPr lang="en-US" smtClean="0"/>
               <a:pPr/>
-              <a:t>3/11/2014</a:t>
+              <a:t>4/19/2019</a:t>
             </a:fld>
             <a:endParaRPr lang="en-IN"/>
           </a:p>
@@ -3159,7 +3159,7 @@
             <a:fld id="{579C509A-87EE-4097-9BE9-CAAEAB5B7FFF}" type="datetimeFigureOut">
               <a:rPr lang="en-US" smtClean="0"/>
               <a:pPr/>
-              <a:t>3/11/2014</a:t>
+              <a:t>4/19/2019</a:t>
             </a:fld>
             <a:endParaRPr lang="en-IN"/>
           </a:p>
@@ -3678,7 +3678,7 @@
             <a:fld id="{579C509A-87EE-4097-9BE9-CAAEAB5B7FFF}" type="datetimeFigureOut">
               <a:rPr lang="en-US" smtClean="0"/>
               <a:pPr/>
-              <a:t>3/11/2014</a:t>
+              <a:t>4/19/2019</a:t>
             </a:fld>
             <a:endParaRPr lang="en-IN"/>
           </a:p>
@@ -4191,7 +4191,7 @@
             <a:fld id="{579C509A-87EE-4097-9BE9-CAAEAB5B7FFF}" type="datetimeFigureOut">
               <a:rPr lang="en-US" smtClean="0"/>
               <a:pPr/>
-              <a:t>3/11/2014</a:t>
+              <a:t>4/19/2019</a:t>
             </a:fld>
             <a:endParaRPr lang="en-IN"/>
           </a:p>
@@ -4438,7 +4438,7 @@
             <a:fld id="{579C509A-87EE-4097-9BE9-CAAEAB5B7FFF}" type="datetimeFigureOut">
               <a:rPr lang="en-US" smtClean="0"/>
               <a:pPr/>
-              <a:t>3/11/2014</a:t>
+              <a:t>4/19/2019</a:t>
             </a:fld>
             <a:endParaRPr lang="en-IN"/>
           </a:p>
@@ -5062,17 +5062,13 @@
         </p:spPr>
         <p:txBody>
           <a:bodyPr>
-            <a:normAutofit fontScale="92500" lnSpcReduction="10000"/>
+            <a:normAutofit lnSpcReduction="10000"/>
           </a:bodyPr>
           <a:lstStyle/>
           <a:p>
             <a:r>
               <a:rPr lang="en-IN" sz="9600" dirty="0" smtClean="0"/>
-              <a:t>Global Assembly </a:t>
-            </a:r>
-            <a:r>
-              <a:rPr lang="en-IN" sz="9600" dirty="0" smtClean="0"/>
-              <a:t>Cache</a:t>
+              <a:t>Global Assembly Cache</a:t>
             </a:r>
           </a:p>
           <a:p>
@@ -5084,21 +5080,12 @@
           <a:p>
             <a:r>
               <a:rPr lang="en-IN" sz="2400" dirty="0" smtClean="0"/>
-              <a:t>										Presented by</a:t>
-            </a:r>
-          </a:p>
-          <a:p>
-            <a:r>
-              <a:rPr lang="en-IN" sz="2400" dirty="0" smtClean="0"/>
+              <a:t>									</a:t>
+            </a:r>
+            <a:r>
+              <a:rPr lang="en-IN" sz="2400" smtClean="0"/>
               <a:t>	</a:t>
             </a:r>
-            <a:r>
-              <a:rPr lang="en-IN" sz="2400" dirty="0" smtClean="0"/>
-              <a:t>			Sachet Sharma</a:t>
-            </a:r>
-            <a:endParaRPr lang="en-IN" sz="2400" dirty="0" smtClean="0"/>
-          </a:p>
-          <a:p>
             <a:endParaRPr lang="en-IN" dirty="0"/>
           </a:p>
         </p:txBody>
